--- a/slides/freeflow_talk.pptx
+++ b/slides/freeflow_talk.pptx
@@ -6,21 +6,23 @@
   </p:sldMasterIdLst>
   <p:sldIdLst>
     <p:sldId id="256" r:id="rId2"/>
-    <p:sldId id="257" r:id="rId3"/>
-    <p:sldId id="259" r:id="rId4"/>
-    <p:sldId id="258" r:id="rId5"/>
-    <p:sldId id="260" r:id="rId6"/>
-    <p:sldId id="261" r:id="rId7"/>
-    <p:sldId id="262" r:id="rId8"/>
-    <p:sldId id="263" r:id="rId9"/>
-    <p:sldId id="264" r:id="rId10"/>
-    <p:sldId id="265" r:id="rId11"/>
-    <p:sldId id="266" r:id="rId12"/>
-    <p:sldId id="267" r:id="rId13"/>
-    <p:sldId id="271" r:id="rId14"/>
-    <p:sldId id="272" r:id="rId15"/>
-    <p:sldId id="268" r:id="rId16"/>
-    <p:sldId id="269" r:id="rId17"/>
+    <p:sldId id="260" r:id="rId3"/>
+    <p:sldId id="261" r:id="rId4"/>
+    <p:sldId id="262" r:id="rId5"/>
+    <p:sldId id="263" r:id="rId6"/>
+    <p:sldId id="264" r:id="rId7"/>
+    <p:sldId id="265" r:id="rId8"/>
+    <p:sldId id="266" r:id="rId9"/>
+    <p:sldId id="267" r:id="rId10"/>
+    <p:sldId id="277" r:id="rId11"/>
+    <p:sldId id="271" r:id="rId12"/>
+    <p:sldId id="272" r:id="rId13"/>
+    <p:sldId id="268" r:id="rId14"/>
+    <p:sldId id="269" r:id="rId15"/>
+    <p:sldId id="273" r:id="rId16"/>
+    <p:sldId id="274" r:id="rId17"/>
+    <p:sldId id="275" r:id="rId18"/>
+    <p:sldId id="276" r:id="rId19"/>
   </p:sldIdLst>
   <p:sldSz cx="12192000" cy="6858000"/>
   <p:notesSz cx="6858000" cy="9144000"/>
@@ -256,7 +258,7 @@
           <a:p>
             <a:fld id="{96C02221-1C70-4BBC-AFD1-C6018801E787}" type="datetimeFigureOut">
               <a:rPr lang="en-US" smtClean="0"/>
-              <a:t>7/18/2016</a:t>
+              <a:t>7/20/2016</a:t>
             </a:fld>
             <a:endParaRPr lang="en-US"/>
           </a:p>
@@ -424,7 +426,7 @@
           <a:p>
             <a:fld id="{96C02221-1C70-4BBC-AFD1-C6018801E787}" type="datetimeFigureOut">
               <a:rPr lang="en-US" smtClean="0"/>
-              <a:t>7/18/2016</a:t>
+              <a:t>7/20/2016</a:t>
             </a:fld>
             <a:endParaRPr lang="en-US"/>
           </a:p>
@@ -602,7 +604,7 @@
           <a:p>
             <a:fld id="{96C02221-1C70-4BBC-AFD1-C6018801E787}" type="datetimeFigureOut">
               <a:rPr lang="en-US" smtClean="0"/>
-              <a:t>7/18/2016</a:t>
+              <a:t>7/20/2016</a:t>
             </a:fld>
             <a:endParaRPr lang="en-US"/>
           </a:p>
@@ -770,7 +772,7 @@
           <a:p>
             <a:fld id="{96C02221-1C70-4BBC-AFD1-C6018801E787}" type="datetimeFigureOut">
               <a:rPr lang="en-US" smtClean="0"/>
-              <a:t>7/18/2016</a:t>
+              <a:t>7/20/2016</a:t>
             </a:fld>
             <a:endParaRPr lang="en-US"/>
           </a:p>
@@ -1015,7 +1017,7 @@
           <a:p>
             <a:fld id="{96C02221-1C70-4BBC-AFD1-C6018801E787}" type="datetimeFigureOut">
               <a:rPr lang="en-US" smtClean="0"/>
-              <a:t>7/18/2016</a:t>
+              <a:t>7/20/2016</a:t>
             </a:fld>
             <a:endParaRPr lang="en-US"/>
           </a:p>
@@ -1244,7 +1246,7 @@
           <a:p>
             <a:fld id="{96C02221-1C70-4BBC-AFD1-C6018801E787}" type="datetimeFigureOut">
               <a:rPr lang="en-US" smtClean="0"/>
-              <a:t>7/18/2016</a:t>
+              <a:t>7/20/2016</a:t>
             </a:fld>
             <a:endParaRPr lang="en-US"/>
           </a:p>
@@ -1608,7 +1610,7 @@
           <a:p>
             <a:fld id="{96C02221-1C70-4BBC-AFD1-C6018801E787}" type="datetimeFigureOut">
               <a:rPr lang="en-US" smtClean="0"/>
-              <a:t>7/18/2016</a:t>
+              <a:t>7/20/2016</a:t>
             </a:fld>
             <a:endParaRPr lang="en-US"/>
           </a:p>
@@ -1725,7 +1727,7 @@
           <a:p>
             <a:fld id="{96C02221-1C70-4BBC-AFD1-C6018801E787}" type="datetimeFigureOut">
               <a:rPr lang="en-US" smtClean="0"/>
-              <a:t>7/18/2016</a:t>
+              <a:t>7/20/2016</a:t>
             </a:fld>
             <a:endParaRPr lang="en-US"/>
           </a:p>
@@ -1820,7 +1822,7 @@
           <a:p>
             <a:fld id="{96C02221-1C70-4BBC-AFD1-C6018801E787}" type="datetimeFigureOut">
               <a:rPr lang="en-US" smtClean="0"/>
-              <a:t>7/18/2016</a:t>
+              <a:t>7/20/2016</a:t>
             </a:fld>
             <a:endParaRPr lang="en-US"/>
           </a:p>
@@ -2095,7 +2097,7 @@
           <a:p>
             <a:fld id="{96C02221-1C70-4BBC-AFD1-C6018801E787}" type="datetimeFigureOut">
               <a:rPr lang="en-US" smtClean="0"/>
-              <a:t>7/18/2016</a:t>
+              <a:t>7/20/2016</a:t>
             </a:fld>
             <a:endParaRPr lang="en-US"/>
           </a:p>
@@ -2347,7 +2349,7 @@
           <a:p>
             <a:fld id="{96C02221-1C70-4BBC-AFD1-C6018801E787}" type="datetimeFigureOut">
               <a:rPr lang="en-US" smtClean="0"/>
-              <a:t>7/18/2016</a:t>
+              <a:t>7/20/2016</a:t>
             </a:fld>
             <a:endParaRPr lang="en-US"/>
           </a:p>
@@ -2558,7 +2560,7 @@
           <a:p>
             <a:fld id="{96C02221-1C70-4BBC-AFD1-C6018801E787}" type="datetimeFigureOut">
               <a:rPr lang="en-US" smtClean="0"/>
-              <a:t>7/18/2016</a:t>
+              <a:t>7/20/2016</a:t>
             </a:fld>
             <a:endParaRPr lang="en-US"/>
           </a:p>
@@ -3071,101 +3073,39 @@
           <a:p>
             <a:r>
               <a:rPr lang="en-US" dirty="0"/>
-              <a:t>what do we want to do?</a:t>
-            </a:r>
-          </a:p>
-        </p:txBody>
-      </p:sp>
-      <p:sp>
-        <p:nvSpPr>
-          <p:cNvPr id="3" name="Content Placeholder 2"/>
-          <p:cNvSpPr>
-            <a:spLocks noGrp="1"/>
-          </p:cNvSpPr>
-          <p:nvPr>
-            <p:ph idx="1"/>
-          </p:nvPr>
-        </p:nvSpPr>
-        <p:spPr/>
-        <p:txBody>
-          <a:bodyPr>
-            <a:normAutofit/>
-          </a:bodyPr>
-          <a:lstStyle/>
-          <a:p>
-            <a:r>
-              <a:rPr lang="en-US" dirty="0"/>
-              <a:t>to build an ultimate solution for container networking</a:t>
-            </a:r>
-          </a:p>
-          <a:p>
-            <a:pPr lvl="1"/>
-            <a:r>
-              <a:rPr lang="en-US" dirty="0"/>
-              <a:t>good isolation</a:t>
-            </a:r>
-          </a:p>
-          <a:p>
-            <a:pPr lvl="1"/>
-            <a:r>
-              <a:rPr lang="en-US" dirty="0"/>
-              <a:t>good portability</a:t>
-            </a:r>
-          </a:p>
-          <a:p>
-            <a:pPr lvl="1"/>
-            <a:r>
-              <a:rPr lang="en-US" dirty="0"/>
-              <a:t>good performance</a:t>
-            </a:r>
-          </a:p>
-          <a:p>
-            <a:pPr lvl="1"/>
-            <a:r>
-              <a:rPr lang="en-US" dirty="0"/>
-              <a:t>good backward compatibility</a:t>
-            </a:r>
-          </a:p>
-          <a:p>
-            <a:r>
-              <a:rPr lang="en-US" dirty="0"/>
-              <a:t>key observations to achieve out goals</a:t>
-            </a:r>
-          </a:p>
-          <a:p>
-            <a:pPr lvl="1"/>
-            <a:r>
-              <a:rPr lang="en-US" dirty="0"/>
-              <a:t>no strict isolation is needed for containers from the same user</a:t>
-            </a:r>
-          </a:p>
-          <a:p>
-            <a:pPr lvl="2"/>
-            <a:r>
-              <a:rPr lang="en-US" dirty="0"/>
-              <a:t>shared memory, RDMA is feasible</a:t>
-            </a:r>
-          </a:p>
-          <a:p>
-            <a:pPr lvl="1"/>
-            <a:r>
-              <a:rPr lang="en-US" dirty="0"/>
-              <a:t>using shared memory intra-host, RDMA/DPDK inter-host for performance</a:t>
-            </a:r>
-          </a:p>
-          <a:p>
-            <a:pPr lvl="1"/>
-            <a:r>
-              <a:rPr lang="en-US" dirty="0"/>
-              <a:t>building an overlay network for portability</a:t>
-            </a:r>
-          </a:p>
-        </p:txBody>
-      </p:sp>
+              <a:t>IPC shared-memory between containers</a:t>
+            </a:r>
+          </a:p>
+        </p:txBody>
+      </p:sp>
+      <p:pic>
+        <p:nvPicPr>
+          <p:cNvPr id="3" name="Picture 2"/>
+          <p:cNvPicPr>
+            <a:picLocks noChangeAspect="1"/>
+          </p:cNvPicPr>
+          <p:nvPr/>
+        </p:nvPicPr>
+        <p:blipFill>
+          <a:blip r:embed="rId2"/>
+          <a:stretch>
+            <a:fillRect/>
+          </a:stretch>
+        </p:blipFill>
+        <p:spPr>
+          <a:xfrm>
+            <a:off x="568768" y="2271264"/>
+            <a:ext cx="11393722" cy="4085993"/>
+          </a:xfrm>
+          <a:prstGeom prst="rect">
+            <a:avLst/>
+          </a:prstGeom>
+        </p:spPr>
+      </p:pic>
     </p:spTree>
     <p:extLst>
       <p:ext uri="{BB962C8B-B14F-4D97-AF65-F5344CB8AC3E}">
-        <p14:creationId xmlns:p14="http://schemas.microsoft.com/office/powerpoint/2010/main" val="3868228940"/>
+        <p14:creationId xmlns:p14="http://schemas.microsoft.com/office/powerpoint/2010/main" val="1247784222"/>
       </p:ext>
     </p:extLst>
   </p:cSld>
@@ -3209,145 +3149,55 @@
           <a:p>
             <a:r>
               <a:rPr lang="en-US" dirty="0"/>
-              <a:t>what are the challenges</a:t>
-            </a:r>
-          </a:p>
-        </p:txBody>
-      </p:sp>
-      <p:sp>
-        <p:nvSpPr>
-          <p:cNvPr id="3" name="Content Placeholder 2"/>
-          <p:cNvSpPr>
-            <a:spLocks noGrp="1"/>
-          </p:cNvSpPr>
-          <p:nvPr>
-            <p:ph idx="1"/>
-          </p:nvPr>
-        </p:nvSpPr>
-        <p:spPr/>
-        <p:txBody>
-          <a:bodyPr>
-            <a:normAutofit lnSpcReduction="10000"/>
-          </a:bodyPr>
-          <a:lstStyle/>
-          <a:p>
-            <a:r>
-              <a:rPr lang="en-US" dirty="0"/>
-              <a:t>how to decide which communication paradigm to use </a:t>
-            </a:r>
-          </a:p>
-          <a:p>
-            <a:pPr lvl="1"/>
-            <a:r>
-              <a:rPr lang="en-US" dirty="0"/>
-              <a:t>need container location formation</a:t>
-            </a:r>
-          </a:p>
-          <a:p>
-            <a:pPr lvl="1"/>
-            <a:r>
-              <a:rPr lang="en-US" b="1" dirty="0"/>
-              <a:t>solution</a:t>
-            </a:r>
-            <a:r>
-              <a:rPr lang="en-US" dirty="0"/>
-              <a:t>: get the information from cluster orchestrators.</a:t>
-            </a:r>
-          </a:p>
-          <a:p>
-            <a:r>
-              <a:rPr lang="en-US" dirty="0"/>
-              <a:t>how to make the decisions transparent to applications</a:t>
-            </a:r>
-          </a:p>
-          <a:p>
-            <a:pPr lvl="1"/>
-            <a:r>
-              <a:rPr lang="en-US" dirty="0"/>
-              <a:t>supporting Socket API (TCP/IP), Verbs API (RDMA), MPI, etc.</a:t>
-            </a:r>
-          </a:p>
-          <a:p>
-            <a:pPr lvl="1"/>
-            <a:r>
-              <a:rPr lang="en-US" b="1" dirty="0"/>
-              <a:t>solution</a:t>
-            </a:r>
-            <a:r>
-              <a:rPr lang="en-US" dirty="0"/>
-              <a:t>: modifying network libraries</a:t>
-            </a:r>
-          </a:p>
-          <a:p>
-            <a:r>
-              <a:rPr lang="en-US" dirty="0">
-                <a:solidFill>
-                  <a:schemeClr val="bg1">
-                    <a:lumMod val="50000"/>
-                  </a:schemeClr>
-                </a:solidFill>
-              </a:rPr>
-              <a:t>other open questions</a:t>
-            </a:r>
-          </a:p>
-          <a:p>
-            <a:pPr lvl="1"/>
-            <a:r>
-              <a:rPr lang="en-US" dirty="0">
-                <a:solidFill>
-                  <a:schemeClr val="bg1">
-                    <a:lumMod val="50000"/>
-                  </a:schemeClr>
-                </a:solidFill>
-              </a:rPr>
-              <a:t>security and middle-box</a:t>
-            </a:r>
-          </a:p>
-          <a:p>
-            <a:pPr lvl="1"/>
-            <a:r>
-              <a:rPr lang="en-US" dirty="0">
-                <a:solidFill>
-                  <a:schemeClr val="bg1">
-                    <a:lumMod val="50000"/>
-                  </a:schemeClr>
-                </a:solidFill>
-              </a:rPr>
-              <a:t>containers running on VMs</a:t>
-            </a:r>
-          </a:p>
-          <a:p>
-            <a:pPr lvl="1"/>
-            <a:r>
-              <a:rPr lang="en-US" dirty="0">
-                <a:solidFill>
-                  <a:schemeClr val="bg1">
-                    <a:lumMod val="50000"/>
-                  </a:schemeClr>
-                </a:solidFill>
-              </a:rPr>
-              <a:t>scalability</a:t>
-            </a:r>
-          </a:p>
-          <a:p>
-            <a:pPr lvl="1"/>
-            <a:r>
-              <a:rPr lang="en-US" dirty="0">
-                <a:solidFill>
-                  <a:schemeClr val="bg1">
-                    <a:lumMod val="50000"/>
-                  </a:schemeClr>
-                </a:solidFill>
-              </a:rPr>
-              <a:t>container live migrations </a:t>
-            </a:r>
-          </a:p>
-        </p:txBody>
-      </p:sp>
+              <a:t>the design of </a:t>
+            </a:r>
+            <a:r>
+              <a:rPr lang="en-US" dirty="0" err="1"/>
+              <a:t>FreeFlow</a:t>
+            </a:r>
+            <a:r>
+              <a:rPr lang="en-US" dirty="0"/>
+              <a:t> (</a:t>
+            </a:r>
+            <a:r>
+              <a:rPr lang="en-US" dirty="0" err="1"/>
+              <a:t>cont</a:t>
+            </a:r>
+            <a:r>
+              <a:rPr lang="en-US" dirty="0"/>
+              <a:t>…)</a:t>
+            </a:r>
+          </a:p>
+        </p:txBody>
+      </p:sp>
+      <p:pic>
+        <p:nvPicPr>
+          <p:cNvPr id="3" name="Picture 2"/>
+          <p:cNvPicPr>
+            <a:picLocks noChangeAspect="1"/>
+          </p:cNvPicPr>
+          <p:nvPr/>
+        </p:nvPicPr>
+        <p:blipFill>
+          <a:blip r:embed="rId2"/>
+          <a:stretch>
+            <a:fillRect/>
+          </a:stretch>
+        </p:blipFill>
+        <p:spPr>
+          <a:xfrm>
+            <a:off x="2557462" y="2105025"/>
+            <a:ext cx="7077075" cy="2647950"/>
+          </a:xfrm>
+          <a:prstGeom prst="rect">
+            <a:avLst/>
+          </a:prstGeom>
+        </p:spPr>
+      </p:pic>
     </p:spTree>
     <p:extLst>
       <p:ext uri="{BB962C8B-B14F-4D97-AF65-F5344CB8AC3E}">
-        <p14:creationId xmlns:p14="http://schemas.microsoft.com/office/powerpoint/2010/main" val="4289098527"/>
+        <p14:creationId xmlns:p14="http://schemas.microsoft.com/office/powerpoint/2010/main" val="4122336747"/>
       </p:ext>
     </p:extLst>
   </p:cSld>
@@ -3397,13 +3247,24 @@
               <a:rPr lang="en-US" dirty="0" err="1"/>
               <a:t>FreeFlow</a:t>
             </a:r>
-            <a:endParaRPr lang="en-US" dirty="0"/>
+            <a:r>
+              <a:rPr lang="en-US" dirty="0"/>
+              <a:t> (</a:t>
+            </a:r>
+            <a:r>
+              <a:rPr lang="en-US" dirty="0" err="1"/>
+              <a:t>cont</a:t>
+            </a:r>
+            <a:r>
+              <a:rPr lang="en-US" dirty="0"/>
+              <a:t>…)</a:t>
+            </a:r>
           </a:p>
         </p:txBody>
       </p:sp>
       <p:pic>
         <p:nvPicPr>
-          <p:cNvPr id="4" name="Picture 3"/>
+          <p:cNvPr id="3" name="Picture 2"/>
           <p:cNvPicPr>
             <a:picLocks noChangeAspect="1"/>
           </p:cNvPicPr>
@@ -3417,8 +3278,8 @@
         </p:blipFill>
         <p:spPr>
           <a:xfrm>
-            <a:off x="364652" y="1893888"/>
-            <a:ext cx="11317394" cy="4140688"/>
+            <a:off x="2605087" y="1785937"/>
+            <a:ext cx="6981825" cy="3286125"/>
           </a:xfrm>
           <a:prstGeom prst="rect">
             <a:avLst/>
@@ -3428,7 +3289,7 @@
     </p:spTree>
     <p:extLst>
       <p:ext uri="{BB962C8B-B14F-4D97-AF65-F5344CB8AC3E}">
-        <p14:creationId xmlns:p14="http://schemas.microsoft.com/office/powerpoint/2010/main" val="4241811075"/>
+        <p14:creationId xmlns:p14="http://schemas.microsoft.com/office/powerpoint/2010/main" val="2454114491"/>
       </p:ext>
     </p:extLst>
   </p:cSld>
@@ -3472,55 +3333,115 @@
           <a:p>
             <a:r>
               <a:rPr lang="en-US" dirty="0"/>
-              <a:t>the design of </a:t>
+              <a:t>agenda for next</a:t>
+            </a:r>
+          </a:p>
+        </p:txBody>
+      </p:sp>
+      <p:sp>
+        <p:nvSpPr>
+          <p:cNvPr id="3" name="Content Placeholder 2"/>
+          <p:cNvSpPr>
+            <a:spLocks noGrp="1"/>
+          </p:cNvSpPr>
+          <p:nvPr>
+            <p:ph idx="1"/>
+          </p:nvPr>
+        </p:nvSpPr>
+        <p:spPr/>
+        <p:txBody>
+          <a:bodyPr/>
+          <a:lstStyle/>
+          <a:p>
+            <a:r>
+              <a:rPr lang="en-US" dirty="0"/>
+              <a:t>implement </a:t>
             </a:r>
             <a:r>
               <a:rPr lang="en-US" dirty="0" err="1"/>
               <a:t>FreeFlow</a:t>
             </a:r>
-            <a:r>
-              <a:rPr lang="en-US" dirty="0"/>
-              <a:t> (</a:t>
+            <a:endParaRPr lang="en-US" dirty="0"/>
+          </a:p>
+          <a:p>
+            <a:pPr lvl="1"/>
+            <a:r>
+              <a:rPr lang="en-US" dirty="0"/>
+              <a:t>modifying RDMA library (</a:t>
             </a:r>
             <a:r>
               <a:rPr lang="en-US" dirty="0" err="1"/>
-              <a:t>cont</a:t>
-            </a:r>
-            <a:r>
-              <a:rPr lang="en-US" dirty="0"/>
-              <a:t>…)</a:t>
-            </a:r>
-          </a:p>
-        </p:txBody>
-      </p:sp>
-      <p:pic>
-        <p:nvPicPr>
-          <p:cNvPr id="3" name="Picture 2"/>
-          <p:cNvPicPr>
-            <a:picLocks noChangeAspect="1"/>
-          </p:cNvPicPr>
-          <p:nvPr/>
-        </p:nvPicPr>
-        <p:blipFill>
-          <a:blip r:embed="rId2"/>
-          <a:stretch>
-            <a:fillRect/>
-          </a:stretch>
-        </p:blipFill>
-        <p:spPr>
-          <a:xfrm>
-            <a:off x="2557462" y="2105025"/>
-            <a:ext cx="7077075" cy="2647950"/>
-          </a:xfrm>
-          <a:prstGeom prst="rect">
-            <a:avLst/>
-          </a:prstGeom>
-        </p:spPr>
-      </p:pic>
+              <a:t>libibverbs</a:t>
+            </a:r>
+            <a:r>
+              <a:rPr lang="en-US" dirty="0"/>
+              <a:t>)</a:t>
+            </a:r>
+          </a:p>
+          <a:p>
+            <a:pPr lvl="1"/>
+            <a:r>
+              <a:rPr lang="en-US" dirty="0"/>
+              <a:t>building a new overlay software router using RDMA</a:t>
+            </a:r>
+          </a:p>
+          <a:p>
+            <a:pPr lvl="1"/>
+            <a:r>
+              <a:rPr lang="en-US" dirty="0"/>
+              <a:t>modifying </a:t>
+            </a:r>
+            <a:r>
+              <a:rPr lang="en-US" dirty="0" err="1"/>
+              <a:t>Mesos</a:t>
+            </a:r>
+            <a:r>
+              <a:rPr lang="en-US" dirty="0"/>
+              <a:t> for network orchestrator </a:t>
+            </a:r>
+          </a:p>
+          <a:p>
+            <a:pPr lvl="1"/>
+            <a:endParaRPr lang="en-US" dirty="0"/>
+          </a:p>
+          <a:p>
+            <a:r>
+              <a:rPr lang="en-US" dirty="0"/>
+              <a:t>running network performance sensitive applications on top of </a:t>
+            </a:r>
+            <a:r>
+              <a:rPr lang="en-US" dirty="0" err="1"/>
+              <a:t>FreeFlow</a:t>
+            </a:r>
+            <a:endParaRPr lang="en-US" dirty="0"/>
+          </a:p>
+          <a:p>
+            <a:pPr lvl="1"/>
+            <a:r>
+              <a:rPr lang="en-US" dirty="0"/>
+              <a:t>Azure’s workload</a:t>
+            </a:r>
+          </a:p>
+          <a:p>
+            <a:pPr lvl="1"/>
+            <a:r>
+              <a:rPr lang="en-US" dirty="0"/>
+              <a:t>open source workload</a:t>
+            </a:r>
+          </a:p>
+          <a:p>
+            <a:pPr lvl="1"/>
+            <a:r>
+              <a:rPr lang="en-US" dirty="0"/>
+              <a:t>new research workload</a:t>
+            </a:r>
+          </a:p>
+        </p:txBody>
+      </p:sp>
     </p:spTree>
     <p:extLst>
       <p:ext uri="{BB962C8B-B14F-4D97-AF65-F5344CB8AC3E}">
-        <p14:creationId xmlns:p14="http://schemas.microsoft.com/office/powerpoint/2010/main" val="4122336747"/>
+        <p14:creationId xmlns:p14="http://schemas.microsoft.com/office/powerpoint/2010/main" val="2467435988"/>
       </p:ext>
     </p:extLst>
   </p:cSld>
@@ -3564,55 +3485,98 @@
           <a:p>
             <a:r>
               <a:rPr lang="en-US" dirty="0"/>
-              <a:t>the design of </a:t>
-            </a:r>
-            <a:r>
-              <a:rPr lang="en-US" dirty="0" err="1"/>
-              <a:t>FreeFlow</a:t>
-            </a:r>
-            <a:r>
-              <a:rPr lang="en-US" dirty="0"/>
-              <a:t> (</a:t>
-            </a:r>
-            <a:r>
-              <a:rPr lang="en-US" dirty="0" err="1"/>
-              <a:t>cont</a:t>
-            </a:r>
-            <a:r>
-              <a:rPr lang="en-US" dirty="0"/>
-              <a:t>…)</a:t>
-            </a:r>
-          </a:p>
-        </p:txBody>
-      </p:sp>
-      <p:pic>
-        <p:nvPicPr>
-          <p:cNvPr id="3" name="Picture 2"/>
-          <p:cNvPicPr>
-            <a:picLocks noChangeAspect="1"/>
-          </p:cNvPicPr>
-          <p:nvPr/>
-        </p:nvPicPr>
-        <p:blipFill>
-          <a:blip r:embed="rId2"/>
-          <a:stretch>
-            <a:fillRect/>
-          </a:stretch>
-        </p:blipFill>
-        <p:spPr>
-          <a:xfrm>
-            <a:off x="2605087" y="1785937"/>
-            <a:ext cx="6981825" cy="3286125"/>
-          </a:xfrm>
-          <a:prstGeom prst="rect">
-            <a:avLst/>
-          </a:prstGeom>
-        </p:spPr>
-      </p:pic>
+              <a:t>meanings to Microsoft</a:t>
+            </a:r>
+          </a:p>
+        </p:txBody>
+      </p:sp>
+      <p:sp>
+        <p:nvSpPr>
+          <p:cNvPr id="3" name="Content Placeholder 2"/>
+          <p:cNvSpPr>
+            <a:spLocks noGrp="1"/>
+          </p:cNvSpPr>
+          <p:nvPr>
+            <p:ph idx="1"/>
+          </p:nvPr>
+        </p:nvSpPr>
+        <p:spPr/>
+        <p:txBody>
+          <a:bodyPr/>
+          <a:lstStyle/>
+          <a:p>
+            <a:r>
+              <a:rPr lang="en-US" dirty="0"/>
+              <a:t>Azure container services (ACS)</a:t>
+            </a:r>
+          </a:p>
+          <a:p>
+            <a:pPr lvl="1"/>
+            <a:r>
+              <a:rPr lang="en-US" dirty="0"/>
+              <a:t>better network performance</a:t>
+            </a:r>
+          </a:p>
+          <a:p>
+            <a:pPr lvl="1"/>
+            <a:r>
+              <a:rPr lang="en-US" dirty="0"/>
+              <a:t>lower price to the users</a:t>
+            </a:r>
+          </a:p>
+          <a:p>
+            <a:r>
+              <a:rPr lang="en-US" dirty="0"/>
+              <a:t>Azure services which are using containers</a:t>
+            </a:r>
+          </a:p>
+          <a:p>
+            <a:pPr lvl="1"/>
+            <a:r>
+              <a:rPr lang="en-US" dirty="0"/>
+              <a:t>automation service</a:t>
+            </a:r>
+          </a:p>
+          <a:p>
+            <a:pPr lvl="1"/>
+            <a:r>
+              <a:rPr lang="en-US" dirty="0"/>
+              <a:t>machine learning service</a:t>
+            </a:r>
+          </a:p>
+          <a:p>
+            <a:r>
+              <a:rPr lang="en-US" dirty="0"/>
+              <a:t>Azure’s internal dev-ops practice</a:t>
+            </a:r>
+          </a:p>
+          <a:p>
+            <a:pPr lvl="1"/>
+            <a:r>
+              <a:rPr lang="en-US" dirty="0"/>
+              <a:t>example: the development of SONIC is pure containerized</a:t>
+            </a:r>
+          </a:p>
+          <a:p>
+            <a:pPr lvl="1"/>
+            <a:r>
+              <a:rPr lang="en-US" dirty="0"/>
+              <a:t>using containers to test network updates</a:t>
+            </a:r>
+          </a:p>
+          <a:p>
+            <a:pPr lvl="1"/>
+            <a:r>
+              <a:rPr lang="en-US" dirty="0"/>
+              <a:t>future: the whole autopilot moves to containers</a:t>
+            </a:r>
+          </a:p>
+        </p:txBody>
+      </p:sp>
     </p:spTree>
     <p:extLst>
       <p:ext uri="{BB962C8B-B14F-4D97-AF65-F5344CB8AC3E}">
-        <p14:creationId xmlns:p14="http://schemas.microsoft.com/office/powerpoint/2010/main" val="2454114491"/>
+        <p14:creationId xmlns:p14="http://schemas.microsoft.com/office/powerpoint/2010/main" val="3803168491"/>
       </p:ext>
     </p:extLst>
   </p:cSld>
@@ -3656,7 +3620,7 @@
           <a:p>
             <a:r>
               <a:rPr lang="en-US" dirty="0"/>
-              <a:t>agenda for next</a:t>
+              <a:t>Backup Slides</a:t>
             </a:r>
           </a:p>
         </p:txBody>
@@ -3676,95 +3640,14 @@
           <a:bodyPr/>
           <a:lstStyle/>
           <a:p>
-            <a:r>
-              <a:rPr lang="en-US" dirty="0"/>
-              <a:t>implement </a:t>
-            </a:r>
-            <a:r>
-              <a:rPr lang="en-US" dirty="0" err="1"/>
-              <a:t>FreeFlow</a:t>
-            </a:r>
-            <a:endParaRPr lang="en-US" dirty="0"/>
-          </a:p>
-          <a:p>
-            <a:pPr lvl="1"/>
-            <a:r>
-              <a:rPr lang="en-US" dirty="0"/>
-              <a:t>modifying RDMA library (</a:t>
-            </a:r>
-            <a:r>
-              <a:rPr lang="en-US" dirty="0" err="1"/>
-              <a:t>libibverbs</a:t>
-            </a:r>
-            <a:r>
-              <a:rPr lang="en-US" dirty="0"/>
-              <a:t>)</a:t>
-            </a:r>
-          </a:p>
-          <a:p>
-            <a:pPr lvl="1"/>
-            <a:r>
-              <a:rPr lang="en-US" dirty="0"/>
-              <a:t>building a new overlay software router using RDMA</a:t>
-            </a:r>
-          </a:p>
-          <a:p>
-            <a:pPr lvl="1"/>
-            <a:r>
-              <a:rPr lang="en-US" dirty="0"/>
-              <a:t>modifying </a:t>
-            </a:r>
-            <a:r>
-              <a:rPr lang="en-US" dirty="0" err="1"/>
-              <a:t>Mesos</a:t>
-            </a:r>
-            <a:r>
-              <a:rPr lang="en-US" dirty="0"/>
-              <a:t> for network orchestrator </a:t>
-            </a:r>
-          </a:p>
-          <a:p>
-            <a:pPr lvl="1"/>
-            <a:endParaRPr lang="en-US" dirty="0"/>
-          </a:p>
-          <a:p>
-            <a:r>
-              <a:rPr lang="en-US" dirty="0"/>
-              <a:t>running network performance sensitive applications on top of </a:t>
-            </a:r>
-            <a:r>
-              <a:rPr lang="en-US" dirty="0" err="1"/>
-              <a:t>FreeFlow</a:t>
-            </a:r>
-            <a:endParaRPr lang="en-US" dirty="0"/>
-          </a:p>
-          <a:p>
-            <a:pPr lvl="1"/>
-            <a:r>
-              <a:rPr lang="en-US" dirty="0"/>
-              <a:t>Azure’s workload</a:t>
-            </a:r>
-          </a:p>
-          <a:p>
-            <a:pPr lvl="1"/>
-            <a:r>
-              <a:rPr lang="en-US" dirty="0"/>
-              <a:t>open source workload</a:t>
-            </a:r>
-          </a:p>
-          <a:p>
-            <a:pPr lvl="1"/>
-            <a:r>
-              <a:rPr lang="en-US" dirty="0"/>
-              <a:t>new research workload</a:t>
-            </a:r>
+            <a:endParaRPr lang="en-US"/>
           </a:p>
         </p:txBody>
       </p:sp>
     </p:spTree>
     <p:extLst>
       <p:ext uri="{BB962C8B-B14F-4D97-AF65-F5344CB8AC3E}">
-        <p14:creationId xmlns:p14="http://schemas.microsoft.com/office/powerpoint/2010/main" val="2467435988"/>
+        <p14:creationId xmlns:p14="http://schemas.microsoft.com/office/powerpoint/2010/main" val="268482680"/>
       </p:ext>
     </p:extLst>
   </p:cSld>
@@ -3808,141 +3691,6 @@
           <a:p>
             <a:r>
               <a:rPr lang="en-US" dirty="0"/>
-              <a:t>meanings to Microsoft</a:t>
-            </a:r>
-          </a:p>
-        </p:txBody>
-      </p:sp>
-      <p:sp>
-        <p:nvSpPr>
-          <p:cNvPr id="3" name="Content Placeholder 2"/>
-          <p:cNvSpPr>
-            <a:spLocks noGrp="1"/>
-          </p:cNvSpPr>
-          <p:nvPr>
-            <p:ph idx="1"/>
-          </p:nvPr>
-        </p:nvSpPr>
-        <p:spPr/>
-        <p:txBody>
-          <a:bodyPr/>
-          <a:lstStyle/>
-          <a:p>
-            <a:r>
-              <a:rPr lang="en-US" dirty="0"/>
-              <a:t>Azure container services (ACS)</a:t>
-            </a:r>
-          </a:p>
-          <a:p>
-            <a:pPr lvl="1"/>
-            <a:r>
-              <a:rPr lang="en-US" dirty="0"/>
-              <a:t>better network performance</a:t>
-            </a:r>
-          </a:p>
-          <a:p>
-            <a:pPr lvl="1"/>
-            <a:r>
-              <a:rPr lang="en-US" dirty="0"/>
-              <a:t>lower price to the users</a:t>
-            </a:r>
-          </a:p>
-          <a:p>
-            <a:r>
-              <a:rPr lang="en-US" dirty="0"/>
-              <a:t>Azure services which are using containers</a:t>
-            </a:r>
-          </a:p>
-          <a:p>
-            <a:pPr lvl="1"/>
-            <a:r>
-              <a:rPr lang="en-US" dirty="0"/>
-              <a:t>automation service</a:t>
-            </a:r>
-          </a:p>
-          <a:p>
-            <a:pPr lvl="1"/>
-            <a:r>
-              <a:rPr lang="en-US" dirty="0"/>
-              <a:t>machine learning service</a:t>
-            </a:r>
-          </a:p>
-          <a:p>
-            <a:r>
-              <a:rPr lang="en-US" dirty="0"/>
-              <a:t>Azure’s internal dev-ops practice</a:t>
-            </a:r>
-          </a:p>
-          <a:p>
-            <a:pPr lvl="1"/>
-            <a:r>
-              <a:rPr lang="en-US" dirty="0"/>
-              <a:t>example: the development of SONIC is pure containerized</a:t>
-            </a:r>
-          </a:p>
-          <a:p>
-            <a:pPr lvl="1"/>
-            <a:r>
-              <a:rPr lang="en-US" dirty="0"/>
-              <a:t>using containers to test network updates</a:t>
-            </a:r>
-          </a:p>
-          <a:p>
-            <a:pPr lvl="1"/>
-            <a:r>
-              <a:rPr lang="en-US" dirty="0"/>
-              <a:t>future: the whole autopilot moves to containers</a:t>
-            </a:r>
-          </a:p>
-        </p:txBody>
-      </p:sp>
-    </p:spTree>
-    <p:extLst>
-      <p:ext uri="{BB962C8B-B14F-4D97-AF65-F5344CB8AC3E}">
-        <p14:creationId xmlns:p14="http://schemas.microsoft.com/office/powerpoint/2010/main" val="3803168491"/>
-      </p:ext>
-    </p:extLst>
-  </p:cSld>
-  <p:clrMapOvr>
-    <a:masterClrMapping/>
-  </p:clrMapOvr>
-</p:sld>
-</file>
-
-<file path=ppt/slides/slide2.xml><?xml version="1.0" encoding="utf-8"?>
-<p:sld xmlns:a="http://schemas.openxmlformats.org/drawingml/2006/main" xmlns:r="http://schemas.openxmlformats.org/officeDocument/2006/relationships" xmlns:p="http://schemas.openxmlformats.org/presentationml/2006/main">
-  <p:cSld>
-    <p:spTree>
-      <p:nvGrpSpPr>
-        <p:cNvPr id="1" name=""/>
-        <p:cNvGrpSpPr/>
-        <p:nvPr/>
-      </p:nvGrpSpPr>
-      <p:grpSpPr>
-        <a:xfrm>
-          <a:off x="0" y="0"/>
-          <a:ext cx="0" cy="0"/>
-          <a:chOff x="0" y="0"/>
-          <a:chExt cx="0" cy="0"/>
-        </a:xfrm>
-      </p:grpSpPr>
-      <p:sp>
-        <p:nvSpPr>
-          <p:cNvPr id="2" name="Title 1"/>
-          <p:cNvSpPr>
-            <a:spLocks noGrp="1"/>
-          </p:cNvSpPr>
-          <p:nvPr>
-            <p:ph type="title"/>
-          </p:nvPr>
-        </p:nvSpPr>
-        <p:spPr/>
-        <p:txBody>
-          <a:bodyPr/>
-          <a:lstStyle/>
-          <a:p>
-            <a:r>
-              <a:rPr lang="en-US" dirty="0"/>
               <a:t>what are containers?</a:t>
             </a:r>
           </a:p>
@@ -4074,7 +3822,7 @@
     </p:spTree>
     <p:extLst>
       <p:ext uri="{BB962C8B-B14F-4D97-AF65-F5344CB8AC3E}">
-        <p14:creationId xmlns:p14="http://schemas.microsoft.com/office/powerpoint/2010/main" val="3644039431"/>
+        <p14:creationId xmlns:p14="http://schemas.microsoft.com/office/powerpoint/2010/main" val="1231513000"/>
       </p:ext>
     </p:extLst>
   </p:cSld>
@@ -4084,7 +3832,7 @@
 </p:sld>
 </file>
 
-<file path=ppt/slides/slide3.xml><?xml version="1.0" encoding="utf-8"?>
+<file path=ppt/slides/slide17.xml><?xml version="1.0" encoding="utf-8"?>
 <p:sld xmlns:a="http://schemas.openxmlformats.org/drawingml/2006/main" xmlns:r="http://schemas.openxmlformats.org/officeDocument/2006/relationships" xmlns:p="http://schemas.openxmlformats.org/presentationml/2006/main">
   <p:cSld>
     <p:spTree>
@@ -4246,7 +3994,7 @@
     </p:spTree>
     <p:extLst>
       <p:ext uri="{BB962C8B-B14F-4D97-AF65-F5344CB8AC3E}">
-        <p14:creationId xmlns:p14="http://schemas.microsoft.com/office/powerpoint/2010/main" val="311929769"/>
+        <p14:creationId xmlns:p14="http://schemas.microsoft.com/office/powerpoint/2010/main" val="327669458"/>
       </p:ext>
     </p:extLst>
   </p:cSld>
@@ -4256,7 +4004,7 @@
 </p:sld>
 </file>
 
-<file path=ppt/slides/slide4.xml><?xml version="1.0" encoding="utf-8"?>
+<file path=ppt/slides/slide18.xml><?xml version="1.0" encoding="utf-8"?>
 <p:sld xmlns:a="http://schemas.openxmlformats.org/drawingml/2006/main" xmlns:r="http://schemas.openxmlformats.org/officeDocument/2006/relationships" xmlns:p="http://schemas.openxmlformats.org/presentationml/2006/main">
   <p:cSld>
     <p:spTree>
@@ -5030,7 +4778,7 @@
     </p:spTree>
     <p:extLst>
       <p:ext uri="{BB962C8B-B14F-4D97-AF65-F5344CB8AC3E}">
-        <p14:creationId xmlns:p14="http://schemas.microsoft.com/office/powerpoint/2010/main" val="635700653"/>
+        <p14:creationId xmlns:p14="http://schemas.microsoft.com/office/powerpoint/2010/main" val="671069550"/>
       </p:ext>
     </p:extLst>
   </p:cSld>
@@ -5126,7 +4874,7 @@
 </p:sld>
 </file>
 
-<file path=ppt/slides/slide5.xml><?xml version="1.0" encoding="utf-8"?>
+<file path=ppt/slides/slide2.xml><?xml version="1.0" encoding="utf-8"?>
 <p:sld xmlns:a="http://schemas.openxmlformats.org/drawingml/2006/main" xmlns:r="http://schemas.openxmlformats.org/officeDocument/2006/relationships" xmlns:p="http://schemas.openxmlformats.org/presentationml/2006/main">
   <p:cSld>
     <p:spTree>
@@ -5923,6 +5671,474 @@
     <p:extLst>
       <p:ext uri="{BB962C8B-B14F-4D97-AF65-F5344CB8AC3E}">
         <p14:creationId xmlns:p14="http://schemas.microsoft.com/office/powerpoint/2010/main" val="466709193"/>
+      </p:ext>
+    </p:extLst>
+  </p:cSld>
+  <p:clrMapOvr>
+    <a:masterClrMapping/>
+  </p:clrMapOvr>
+</p:sld>
+</file>
+
+<file path=ppt/slides/slide3.xml><?xml version="1.0" encoding="utf-8"?>
+<p:sld xmlns:a="http://schemas.openxmlformats.org/drawingml/2006/main" xmlns:r="http://schemas.openxmlformats.org/officeDocument/2006/relationships" xmlns:p="http://schemas.openxmlformats.org/presentationml/2006/main">
+  <p:cSld>
+    <p:spTree>
+      <p:nvGrpSpPr>
+        <p:cNvPr id="1" name=""/>
+        <p:cNvGrpSpPr/>
+        <p:nvPr/>
+      </p:nvGrpSpPr>
+      <p:grpSpPr>
+        <a:xfrm>
+          <a:off x="0" y="0"/>
+          <a:ext cx="0" cy="0"/>
+          <a:chOff x="0" y="0"/>
+          <a:chExt cx="0" cy="0"/>
+        </a:xfrm>
+      </p:grpSpPr>
+      <p:sp>
+        <p:nvSpPr>
+          <p:cNvPr id="2" name="Title 1"/>
+          <p:cNvSpPr>
+            <a:spLocks noGrp="1"/>
+          </p:cNvSpPr>
+          <p:nvPr>
+            <p:ph type="title"/>
+          </p:nvPr>
+        </p:nvSpPr>
+        <p:spPr/>
+        <p:txBody>
+          <a:bodyPr/>
+          <a:lstStyle/>
+          <a:p>
+            <a:r>
+              <a:rPr lang="en-US" dirty="0"/>
+              <a:t>the current container networking solutions</a:t>
+            </a:r>
+          </a:p>
+        </p:txBody>
+      </p:sp>
+      <p:pic>
+        <p:nvPicPr>
+          <p:cNvPr id="47" name="Picture 46"/>
+          <p:cNvPicPr>
+            <a:picLocks noChangeAspect="1"/>
+          </p:cNvPicPr>
+          <p:nvPr/>
+        </p:nvPicPr>
+        <p:blipFill>
+          <a:blip r:embed="rId2"/>
+          <a:stretch>
+            <a:fillRect/>
+          </a:stretch>
+        </p:blipFill>
+        <p:spPr>
+          <a:xfrm>
+            <a:off x="6155946" y="1589460"/>
+            <a:ext cx="4415044" cy="2968541"/>
+          </a:xfrm>
+          <a:prstGeom prst="rect">
+            <a:avLst/>
+          </a:prstGeom>
+        </p:spPr>
+      </p:pic>
+      <p:pic>
+        <p:nvPicPr>
+          <p:cNvPr id="48" name="Picture 47"/>
+          <p:cNvPicPr>
+            <a:picLocks noChangeAspect="1"/>
+          </p:cNvPicPr>
+          <p:nvPr/>
+        </p:nvPicPr>
+        <p:blipFill>
+          <a:blip r:embed="rId3"/>
+          <a:stretch>
+            <a:fillRect/>
+          </a:stretch>
+        </p:blipFill>
+        <p:spPr>
+          <a:xfrm>
+            <a:off x="838200" y="1690688"/>
+            <a:ext cx="4657245" cy="2924145"/>
+          </a:xfrm>
+          <a:prstGeom prst="rect">
+            <a:avLst/>
+          </a:prstGeom>
+        </p:spPr>
+      </p:pic>
+      <p:sp>
+        <p:nvSpPr>
+          <p:cNvPr id="49" name="TextBox 48"/>
+          <p:cNvSpPr txBox="1"/>
+          <p:nvPr/>
+        </p:nvSpPr>
+        <p:spPr>
+          <a:xfrm>
+            <a:off x="988044" y="4897256"/>
+            <a:ext cx="4142416" cy="1200329"/>
+          </a:xfrm>
+          <a:prstGeom prst="rect">
+            <a:avLst/>
+          </a:prstGeom>
+          <a:noFill/>
+        </p:spPr>
+        <p:txBody>
+          <a:bodyPr wrap="square" rtlCol="0">
+            <a:spAutoFit/>
+          </a:bodyPr>
+          <a:lstStyle/>
+          <a:p>
+            <a:r>
+              <a:rPr lang="en-US" dirty="0"/>
+              <a:t>host network mode:</a:t>
+            </a:r>
+          </a:p>
+          <a:p>
+            <a:pPr marL="285750" indent="-285750">
+              <a:buFont typeface="Arial" panose="020B0604020202020204" pitchFamily="34" charset="0"/>
+              <a:buChar char="•"/>
+            </a:pPr>
+            <a:r>
+              <a:rPr lang="en-US" dirty="0"/>
+              <a:t>poor isolation</a:t>
+            </a:r>
+          </a:p>
+          <a:p>
+            <a:pPr marL="285750" indent="-285750">
+              <a:buFont typeface="Arial" panose="020B0604020202020204" pitchFamily="34" charset="0"/>
+              <a:buChar char="•"/>
+            </a:pPr>
+            <a:r>
+              <a:rPr lang="en-US" dirty="0"/>
+              <a:t>poor portability</a:t>
+            </a:r>
+          </a:p>
+          <a:p>
+            <a:pPr marL="285750" indent="-285750">
+              <a:buFont typeface="Arial" panose="020B0604020202020204" pitchFamily="34" charset="0"/>
+              <a:buChar char="•"/>
+            </a:pPr>
+            <a:r>
+              <a:rPr lang="en-US" dirty="0"/>
+              <a:t>similar performance as raw processes</a:t>
+            </a:r>
+          </a:p>
+        </p:txBody>
+      </p:sp>
+      <p:sp>
+        <p:nvSpPr>
+          <p:cNvPr id="50" name="TextBox 49"/>
+          <p:cNvSpPr txBox="1"/>
+          <p:nvPr/>
+        </p:nvSpPr>
+        <p:spPr>
+          <a:xfrm>
+            <a:off x="6221808" y="4897256"/>
+            <a:ext cx="4142416" cy="1200329"/>
+          </a:xfrm>
+          <a:prstGeom prst="rect">
+            <a:avLst/>
+          </a:prstGeom>
+          <a:noFill/>
+        </p:spPr>
+        <p:txBody>
+          <a:bodyPr wrap="square" rtlCol="0">
+            <a:spAutoFit/>
+          </a:bodyPr>
+          <a:lstStyle/>
+          <a:p>
+            <a:r>
+              <a:rPr lang="en-US" dirty="0"/>
+              <a:t>overlay network mode:</a:t>
+            </a:r>
+          </a:p>
+          <a:p>
+            <a:pPr marL="285750" indent="-285750">
+              <a:buFont typeface="Arial" panose="020B0604020202020204" pitchFamily="34" charset="0"/>
+              <a:buChar char="•"/>
+            </a:pPr>
+            <a:r>
+              <a:rPr lang="en-US" dirty="0"/>
+              <a:t>good isolation</a:t>
+            </a:r>
+          </a:p>
+          <a:p>
+            <a:pPr marL="285750" indent="-285750">
+              <a:buFont typeface="Arial" panose="020B0604020202020204" pitchFamily="34" charset="0"/>
+              <a:buChar char="•"/>
+            </a:pPr>
+            <a:r>
+              <a:rPr lang="en-US" dirty="0"/>
+              <a:t>good portability</a:t>
+            </a:r>
+          </a:p>
+          <a:p>
+            <a:pPr marL="285750" indent="-285750">
+              <a:buFont typeface="Arial" panose="020B0604020202020204" pitchFamily="34" charset="0"/>
+              <a:buChar char="•"/>
+            </a:pPr>
+            <a:r>
+              <a:rPr lang="en-US" dirty="0"/>
+              <a:t>poor performance</a:t>
+            </a:r>
+          </a:p>
+        </p:txBody>
+      </p:sp>
+    </p:spTree>
+    <p:extLst>
+      <p:ext uri="{BB962C8B-B14F-4D97-AF65-F5344CB8AC3E}">
+        <p14:creationId xmlns:p14="http://schemas.microsoft.com/office/powerpoint/2010/main" val="1880189700"/>
+      </p:ext>
+    </p:extLst>
+  </p:cSld>
+  <p:clrMapOvr>
+    <a:masterClrMapping/>
+  </p:clrMapOvr>
+</p:sld>
+</file>
+
+<file path=ppt/slides/slide4.xml><?xml version="1.0" encoding="utf-8"?>
+<p:sld xmlns:a="http://schemas.openxmlformats.org/drawingml/2006/main" xmlns:r="http://schemas.openxmlformats.org/officeDocument/2006/relationships" xmlns:p="http://schemas.openxmlformats.org/presentationml/2006/main">
+  <p:cSld>
+    <p:spTree>
+      <p:nvGrpSpPr>
+        <p:cNvPr id="1" name=""/>
+        <p:cNvGrpSpPr/>
+        <p:nvPr/>
+      </p:nvGrpSpPr>
+      <p:grpSpPr>
+        <a:xfrm>
+          <a:off x="0" y="0"/>
+          <a:ext cx="0" cy="0"/>
+          <a:chOff x="0" y="0"/>
+          <a:chExt cx="0" cy="0"/>
+        </a:xfrm>
+      </p:grpSpPr>
+      <p:sp>
+        <p:nvSpPr>
+          <p:cNvPr id="2" name="Title 1"/>
+          <p:cNvSpPr>
+            <a:spLocks noGrp="1"/>
+          </p:cNvSpPr>
+          <p:nvPr>
+            <p:ph type="title"/>
+          </p:nvPr>
+        </p:nvSpPr>
+        <p:spPr/>
+        <p:txBody>
+          <a:bodyPr/>
+          <a:lstStyle/>
+          <a:p>
+            <a:r>
+              <a:rPr lang="en-US" dirty="0"/>
+              <a:t>performance of current container networking</a:t>
+            </a:r>
+          </a:p>
+        </p:txBody>
+      </p:sp>
+      <p:pic>
+        <p:nvPicPr>
+          <p:cNvPr id="4" name="Picture 3"/>
+          <p:cNvPicPr>
+            <a:picLocks noChangeAspect="1"/>
+          </p:cNvPicPr>
+          <p:nvPr/>
+        </p:nvPicPr>
+        <p:blipFill>
+          <a:blip r:embed="rId2"/>
+          <a:stretch>
+            <a:fillRect/>
+          </a:stretch>
+        </p:blipFill>
+        <p:spPr>
+          <a:xfrm>
+            <a:off x="2446145" y="1642907"/>
+            <a:ext cx="3014550" cy="2440803"/>
+          </a:xfrm>
+          <a:prstGeom prst="rect">
+            <a:avLst/>
+          </a:prstGeom>
+        </p:spPr>
+      </p:pic>
+      <p:pic>
+        <p:nvPicPr>
+          <p:cNvPr id="5" name="Picture 4"/>
+          <p:cNvPicPr>
+            <a:picLocks noChangeAspect="1"/>
+          </p:cNvPicPr>
+          <p:nvPr/>
+        </p:nvPicPr>
+        <p:blipFill>
+          <a:blip r:embed="rId3"/>
+          <a:stretch>
+            <a:fillRect/>
+          </a:stretch>
+        </p:blipFill>
+        <p:spPr>
+          <a:xfrm>
+            <a:off x="5460695" y="1682100"/>
+            <a:ext cx="2986097" cy="2375163"/>
+          </a:xfrm>
+          <a:prstGeom prst="rect">
+            <a:avLst/>
+          </a:prstGeom>
+        </p:spPr>
+      </p:pic>
+      <p:pic>
+        <p:nvPicPr>
+          <p:cNvPr id="6" name="Picture 5"/>
+          <p:cNvPicPr>
+            <a:picLocks noChangeAspect="1"/>
+          </p:cNvPicPr>
+          <p:nvPr/>
+        </p:nvPicPr>
+        <p:blipFill>
+          <a:blip r:embed="rId4"/>
+          <a:stretch>
+            <a:fillRect/>
+          </a:stretch>
+        </p:blipFill>
+        <p:spPr>
+          <a:xfrm>
+            <a:off x="2601103" y="4348674"/>
+            <a:ext cx="6349978" cy="2450444"/>
+          </a:xfrm>
+          <a:prstGeom prst="rect">
+            <a:avLst/>
+          </a:prstGeom>
+        </p:spPr>
+      </p:pic>
+    </p:spTree>
+    <p:extLst>
+      <p:ext uri="{BB962C8B-B14F-4D97-AF65-F5344CB8AC3E}">
+        <p14:creationId xmlns:p14="http://schemas.microsoft.com/office/powerpoint/2010/main" val="3461292089"/>
+      </p:ext>
+    </p:extLst>
+  </p:cSld>
+  <p:clrMapOvr>
+    <a:masterClrMapping/>
+  </p:clrMapOvr>
+</p:sld>
+</file>
+
+<file path=ppt/slides/slide5.xml><?xml version="1.0" encoding="utf-8"?>
+<p:sld xmlns:a="http://schemas.openxmlformats.org/drawingml/2006/main" xmlns:r="http://schemas.openxmlformats.org/officeDocument/2006/relationships" xmlns:p="http://schemas.openxmlformats.org/presentationml/2006/main">
+  <p:cSld>
+    <p:spTree>
+      <p:nvGrpSpPr>
+        <p:cNvPr id="1" name=""/>
+        <p:cNvGrpSpPr/>
+        <p:nvPr/>
+      </p:nvGrpSpPr>
+      <p:grpSpPr>
+        <a:xfrm>
+          <a:off x="0" y="0"/>
+          <a:ext cx="0" cy="0"/>
+          <a:chOff x="0" y="0"/>
+          <a:chExt cx="0" cy="0"/>
+        </a:xfrm>
+      </p:grpSpPr>
+      <p:sp>
+        <p:nvSpPr>
+          <p:cNvPr id="2" name="Title 1"/>
+          <p:cNvSpPr>
+            <a:spLocks noGrp="1"/>
+          </p:cNvSpPr>
+          <p:nvPr>
+            <p:ph type="title"/>
+          </p:nvPr>
+        </p:nvSpPr>
+        <p:spPr/>
+        <p:txBody>
+          <a:bodyPr/>
+          <a:lstStyle/>
+          <a:p>
+            <a:r>
+              <a:rPr lang="en-US" dirty="0"/>
+              <a:t>the implications of the poor performance</a:t>
+            </a:r>
+          </a:p>
+        </p:txBody>
+      </p:sp>
+      <p:sp>
+        <p:nvSpPr>
+          <p:cNvPr id="3" name="Content Placeholder 2"/>
+          <p:cNvSpPr>
+            <a:spLocks noGrp="1"/>
+          </p:cNvSpPr>
+          <p:nvPr>
+            <p:ph idx="1"/>
+          </p:nvPr>
+        </p:nvSpPr>
+        <p:spPr/>
+        <p:txBody>
+          <a:bodyPr/>
+          <a:lstStyle/>
+          <a:p>
+            <a:r>
+              <a:rPr lang="en-US" dirty="0"/>
+              <a:t>poor overall application performance</a:t>
+            </a:r>
+          </a:p>
+          <a:p>
+            <a:pPr lvl="1"/>
+            <a:r>
+              <a:rPr lang="en-US" dirty="0" err="1"/>
+              <a:t>bigdata</a:t>
+            </a:r>
+            <a:r>
+              <a:rPr lang="en-US" dirty="0"/>
+              <a:t> analytics</a:t>
+            </a:r>
+          </a:p>
+          <a:p>
+            <a:pPr lvl="1"/>
+            <a:r>
+              <a:rPr lang="en-US" dirty="0"/>
+              <a:t>web services</a:t>
+            </a:r>
+          </a:p>
+          <a:p>
+            <a:pPr lvl="1"/>
+            <a:r>
+              <a:rPr lang="en-US" dirty="0"/>
+              <a:t>key-value stores</a:t>
+            </a:r>
+          </a:p>
+          <a:p>
+            <a:pPr lvl="1"/>
+            <a:r>
+              <a:rPr lang="en-US" dirty="0"/>
+              <a:t>machine learnings</a:t>
+            </a:r>
+          </a:p>
+          <a:p>
+            <a:pPr lvl="1"/>
+            <a:r>
+              <a:rPr lang="en-US" dirty="0"/>
+              <a:t>…</a:t>
+            </a:r>
+          </a:p>
+          <a:p>
+            <a:r>
+              <a:rPr lang="en-US" dirty="0"/>
+              <a:t>high cost to run applications</a:t>
+            </a:r>
+          </a:p>
+          <a:p>
+            <a:pPr lvl="1"/>
+            <a:r>
+              <a:rPr lang="en-US" dirty="0"/>
+              <a:t>reserving a lot of CPUs for merely traffic processing</a:t>
+            </a:r>
+          </a:p>
+        </p:txBody>
+      </p:sp>
+    </p:spTree>
+    <p:extLst>
+      <p:ext uri="{BB962C8B-B14F-4D97-AF65-F5344CB8AC3E}">
+        <p14:creationId xmlns:p14="http://schemas.microsoft.com/office/powerpoint/2010/main" val="1473173404"/>
       </p:ext>
     </p:extLst>
   </p:cSld>
@@ -5966,173 +6182,71 @@
           <a:p>
             <a:r>
               <a:rPr lang="en-US" dirty="0"/>
-              <a:t>the current container networking solutions</a:t>
-            </a:r>
-          </a:p>
-        </p:txBody>
-      </p:sp>
-      <p:pic>
-        <p:nvPicPr>
-          <p:cNvPr id="47" name="Picture 46"/>
-          <p:cNvPicPr>
-            <a:picLocks noChangeAspect="1"/>
-          </p:cNvPicPr>
-          <p:nvPr/>
-        </p:nvPicPr>
-        <p:blipFill>
-          <a:blip r:embed="rId2"/>
-          <a:stretch>
-            <a:fillRect/>
-          </a:stretch>
-        </p:blipFill>
-        <p:spPr>
-          <a:xfrm>
-            <a:off x="6155946" y="1589460"/>
-            <a:ext cx="4415044" cy="2968541"/>
-          </a:xfrm>
-          <a:prstGeom prst="rect">
-            <a:avLst/>
-          </a:prstGeom>
-        </p:spPr>
-      </p:pic>
-      <p:pic>
-        <p:nvPicPr>
-          <p:cNvPr id="48" name="Picture 47"/>
-          <p:cNvPicPr>
-            <a:picLocks noChangeAspect="1"/>
-          </p:cNvPicPr>
-          <p:nvPr/>
-        </p:nvPicPr>
-        <p:blipFill>
-          <a:blip r:embed="rId3"/>
-          <a:stretch>
-            <a:fillRect/>
-          </a:stretch>
-        </p:blipFill>
-        <p:spPr>
-          <a:xfrm>
-            <a:off x="838200" y="1690688"/>
-            <a:ext cx="4657245" cy="2924145"/>
-          </a:xfrm>
-          <a:prstGeom prst="rect">
-            <a:avLst/>
-          </a:prstGeom>
-        </p:spPr>
-      </p:pic>
-      <p:sp>
-        <p:nvSpPr>
-          <p:cNvPr id="49" name="TextBox 48"/>
-          <p:cNvSpPr txBox="1"/>
-          <p:nvPr/>
-        </p:nvSpPr>
-        <p:spPr>
-          <a:xfrm>
-            <a:off x="988044" y="4897256"/>
-            <a:ext cx="4142416" cy="1200329"/>
-          </a:xfrm>
-          <a:prstGeom prst="rect">
-            <a:avLst/>
-          </a:prstGeom>
-          <a:noFill/>
-        </p:spPr>
-        <p:txBody>
-          <a:bodyPr wrap="square" rtlCol="0">
-            <a:spAutoFit/>
-          </a:bodyPr>
-          <a:lstStyle/>
-          <a:p>
-            <a:r>
-              <a:rPr lang="en-US" dirty="0"/>
-              <a:t>host network mode:</a:t>
-            </a:r>
-          </a:p>
-          <a:p>
-            <a:pPr marL="285750" indent="-285750">
-              <a:buFont typeface="Arial" panose="020B0604020202020204" pitchFamily="34" charset="0"/>
-              <a:buChar char="•"/>
-            </a:pPr>
-            <a:r>
-              <a:rPr lang="en-US" dirty="0"/>
-              <a:t>poor isolation</a:t>
-            </a:r>
-          </a:p>
-          <a:p>
-            <a:pPr marL="285750" indent="-285750">
-              <a:buFont typeface="Arial" panose="020B0604020202020204" pitchFamily="34" charset="0"/>
-              <a:buChar char="•"/>
-            </a:pPr>
-            <a:r>
-              <a:rPr lang="en-US" dirty="0"/>
-              <a:t>poor portability</a:t>
-            </a:r>
-          </a:p>
-          <a:p>
-            <a:pPr marL="285750" indent="-285750">
-              <a:buFont typeface="Arial" panose="020B0604020202020204" pitchFamily="34" charset="0"/>
-              <a:buChar char="•"/>
-            </a:pPr>
-            <a:r>
-              <a:rPr lang="en-US" dirty="0"/>
-              <a:t>similar performance as raw processes</a:t>
-            </a:r>
-          </a:p>
-        </p:txBody>
-      </p:sp>
-      <p:sp>
-        <p:nvSpPr>
-          <p:cNvPr id="50" name="TextBox 49"/>
-          <p:cNvSpPr txBox="1"/>
-          <p:nvPr/>
-        </p:nvSpPr>
-        <p:spPr>
-          <a:xfrm>
-            <a:off x="6221808" y="4897256"/>
-            <a:ext cx="4142416" cy="1200329"/>
-          </a:xfrm>
-          <a:prstGeom prst="rect">
-            <a:avLst/>
-          </a:prstGeom>
-          <a:noFill/>
-        </p:spPr>
-        <p:txBody>
-          <a:bodyPr wrap="square" rtlCol="0">
-            <a:spAutoFit/>
-          </a:bodyPr>
-          <a:lstStyle/>
-          <a:p>
-            <a:r>
-              <a:rPr lang="en-US" dirty="0"/>
-              <a:t>overlay network mode:</a:t>
-            </a:r>
-          </a:p>
-          <a:p>
-            <a:pPr marL="285750" indent="-285750">
-              <a:buFont typeface="Arial" panose="020B0604020202020204" pitchFamily="34" charset="0"/>
-              <a:buChar char="•"/>
-            </a:pPr>
-            <a:r>
-              <a:rPr lang="en-US" dirty="0"/>
-              <a:t>good isolation</a:t>
-            </a:r>
-          </a:p>
-          <a:p>
-            <a:pPr marL="285750" indent="-285750">
-              <a:buFont typeface="Arial" panose="020B0604020202020204" pitchFamily="34" charset="0"/>
-              <a:buChar char="•"/>
-            </a:pPr>
-            <a:r>
-              <a:rPr lang="en-US" dirty="0"/>
-              <a:t>good portability</a:t>
-            </a:r>
-          </a:p>
-          <a:p>
-            <a:pPr marL="285750" indent="-285750">
-              <a:buFont typeface="Arial" panose="020B0604020202020204" pitchFamily="34" charset="0"/>
-              <a:buChar char="•"/>
-            </a:pPr>
-            <a:r>
-              <a:rPr lang="en-US" dirty="0"/>
-              <a:t>poor performance</a:t>
+              <a:t>can existing approaches solve containers’ problem?</a:t>
+            </a:r>
+          </a:p>
+        </p:txBody>
+      </p:sp>
+      <p:sp>
+        <p:nvSpPr>
+          <p:cNvPr id="3" name="Content Placeholder 2"/>
+          <p:cNvSpPr>
+            <a:spLocks noGrp="1"/>
+          </p:cNvSpPr>
+          <p:nvPr>
+            <p:ph idx="1"/>
+          </p:nvPr>
+        </p:nvSpPr>
+        <p:spPr/>
+        <p:txBody>
+          <a:bodyPr/>
+          <a:lstStyle/>
+          <a:p>
+            <a:r>
+              <a:rPr lang="en-US" dirty="0"/>
+              <a:t>single-root </a:t>
+            </a:r>
+            <a:r>
+              <a:rPr lang="en-US" dirty="0" err="1"/>
+              <a:t>io</a:t>
+            </a:r>
+            <a:r>
+              <a:rPr lang="en-US" dirty="0"/>
+              <a:t> virtualization (SR-IOV)</a:t>
+            </a:r>
+          </a:p>
+          <a:p>
+            <a:pPr lvl="1"/>
+            <a:r>
+              <a:rPr lang="en-US" dirty="0"/>
+              <a:t>not scalable</a:t>
+            </a:r>
+          </a:p>
+          <a:p>
+            <a:pPr lvl="2"/>
+            <a:r>
+              <a:rPr lang="en-US" dirty="0"/>
+              <a:t>it can at most support tens of virtual NICs</a:t>
+            </a:r>
+          </a:p>
+          <a:p>
+            <a:pPr lvl="2"/>
+            <a:r>
+              <a:rPr lang="en-US" dirty="0"/>
+              <a:t>there can be hundreds of containers on a bare metal</a:t>
+            </a:r>
+          </a:p>
+          <a:p>
+            <a:r>
+              <a:rPr lang="en-US" dirty="0"/>
+              <a:t>hardware offload &amp; kernel bypassing (e.g. RDMA, DPDK, etc.)</a:t>
+            </a:r>
+          </a:p>
+          <a:p>
+            <a:pPr lvl="1"/>
+            <a:r>
+              <a:rPr lang="en-US" dirty="0"/>
+              <a:t>back to host mode: losing isolation and portability </a:t>
             </a:r>
           </a:p>
         </p:txBody>
@@ -6140,7 +6254,7 @@
     </p:spTree>
     <p:extLst>
       <p:ext uri="{BB962C8B-B14F-4D97-AF65-F5344CB8AC3E}">
-        <p14:creationId xmlns:p14="http://schemas.microsoft.com/office/powerpoint/2010/main" val="1880189700"/>
+        <p14:creationId xmlns:p14="http://schemas.microsoft.com/office/powerpoint/2010/main" val="3978165674"/>
       </p:ext>
     </p:extLst>
   </p:cSld>
@@ -6184,87 +6298,101 @@
           <a:p>
             <a:r>
               <a:rPr lang="en-US" dirty="0"/>
-              <a:t>performance of current container networking</a:t>
-            </a:r>
-          </a:p>
-        </p:txBody>
-      </p:sp>
-      <p:pic>
-        <p:nvPicPr>
-          <p:cNvPr id="4" name="Picture 3"/>
-          <p:cNvPicPr>
-            <a:picLocks noChangeAspect="1"/>
-          </p:cNvPicPr>
-          <p:nvPr/>
-        </p:nvPicPr>
-        <p:blipFill>
-          <a:blip r:embed="rId2"/>
-          <a:stretch>
-            <a:fillRect/>
-          </a:stretch>
-        </p:blipFill>
-        <p:spPr>
-          <a:xfrm>
-            <a:off x="2446145" y="1642907"/>
-            <a:ext cx="3014550" cy="2440803"/>
-          </a:xfrm>
-          <a:prstGeom prst="rect">
-            <a:avLst/>
-          </a:prstGeom>
-        </p:spPr>
-      </p:pic>
-      <p:pic>
-        <p:nvPicPr>
-          <p:cNvPr id="5" name="Picture 4"/>
-          <p:cNvPicPr>
-            <a:picLocks noChangeAspect="1"/>
-          </p:cNvPicPr>
-          <p:nvPr/>
-        </p:nvPicPr>
-        <p:blipFill>
-          <a:blip r:embed="rId3"/>
-          <a:stretch>
-            <a:fillRect/>
-          </a:stretch>
-        </p:blipFill>
-        <p:spPr>
-          <a:xfrm>
-            <a:off x="5460695" y="1682100"/>
-            <a:ext cx="2986097" cy="2375163"/>
-          </a:xfrm>
-          <a:prstGeom prst="rect">
-            <a:avLst/>
-          </a:prstGeom>
-        </p:spPr>
-      </p:pic>
-      <p:pic>
-        <p:nvPicPr>
-          <p:cNvPr id="6" name="Picture 5"/>
-          <p:cNvPicPr>
-            <a:picLocks noChangeAspect="1"/>
-          </p:cNvPicPr>
-          <p:nvPr/>
-        </p:nvPicPr>
-        <p:blipFill>
-          <a:blip r:embed="rId4"/>
-          <a:stretch>
-            <a:fillRect/>
-          </a:stretch>
-        </p:blipFill>
-        <p:spPr>
-          <a:xfrm>
-            <a:off x="2601103" y="4348674"/>
-            <a:ext cx="6349978" cy="2450444"/>
-          </a:xfrm>
-          <a:prstGeom prst="rect">
-            <a:avLst/>
-          </a:prstGeom>
-        </p:spPr>
-      </p:pic>
+              <a:t>what do we want to do?</a:t>
+            </a:r>
+          </a:p>
+        </p:txBody>
+      </p:sp>
+      <p:sp>
+        <p:nvSpPr>
+          <p:cNvPr id="3" name="Content Placeholder 2"/>
+          <p:cNvSpPr>
+            <a:spLocks noGrp="1"/>
+          </p:cNvSpPr>
+          <p:nvPr>
+            <p:ph idx="1"/>
+          </p:nvPr>
+        </p:nvSpPr>
+        <p:spPr/>
+        <p:txBody>
+          <a:bodyPr>
+            <a:normAutofit/>
+          </a:bodyPr>
+          <a:lstStyle/>
+          <a:p>
+            <a:r>
+              <a:rPr lang="en-US" dirty="0"/>
+              <a:t>to build an ultimate solution for container networking</a:t>
+            </a:r>
+          </a:p>
+          <a:p>
+            <a:pPr lvl="1"/>
+            <a:r>
+              <a:rPr lang="en-US" dirty="0"/>
+              <a:t>good isolation</a:t>
+            </a:r>
+          </a:p>
+          <a:p>
+            <a:pPr lvl="1"/>
+            <a:r>
+              <a:rPr lang="en-US" dirty="0"/>
+              <a:t>good portability</a:t>
+            </a:r>
+          </a:p>
+          <a:p>
+            <a:pPr lvl="1"/>
+            <a:r>
+              <a:rPr lang="en-US" dirty="0"/>
+              <a:t>good performance</a:t>
+            </a:r>
+          </a:p>
+          <a:p>
+            <a:pPr lvl="1"/>
+            <a:r>
+              <a:rPr lang="en-US" dirty="0"/>
+              <a:t>good backward compatibility</a:t>
+            </a:r>
+          </a:p>
+          <a:p>
+            <a:r>
+              <a:rPr lang="en-US" dirty="0"/>
+              <a:t>key observations to achieve out goals</a:t>
+            </a:r>
+          </a:p>
+          <a:p>
+            <a:pPr lvl="1"/>
+            <a:r>
+              <a:rPr lang="en-US" dirty="0"/>
+              <a:t>no strict isolation is needed for containers from the same user</a:t>
+            </a:r>
+          </a:p>
+          <a:p>
+            <a:pPr lvl="2"/>
+            <a:r>
+              <a:rPr lang="en-US" dirty="0"/>
+              <a:t>shared memory, RDMA is feasible</a:t>
+            </a:r>
+          </a:p>
+          <a:p>
+            <a:pPr lvl="1"/>
+            <a:r>
+              <a:rPr lang="en-US" dirty="0"/>
+              <a:t>using shared memory intra-host, RDMA/DPDK inter-host for performance</a:t>
+            </a:r>
+          </a:p>
+          <a:p>
+            <a:pPr lvl="1"/>
+            <a:r>
+              <a:rPr lang="en-US" dirty="0"/>
+              <a:t>building an overlay network for portability</a:t>
+            </a:r>
+          </a:p>
+        </p:txBody>
+      </p:sp>
     </p:spTree>
     <p:extLst>
       <p:ext uri="{BB962C8B-B14F-4D97-AF65-F5344CB8AC3E}">
-        <p14:creationId xmlns:p14="http://schemas.microsoft.com/office/powerpoint/2010/main" val="3461292089"/>
+        <p14:creationId xmlns:p14="http://schemas.microsoft.com/office/powerpoint/2010/main" val="3868228940"/>
       </p:ext>
     </p:extLst>
   </p:cSld>
@@ -6308,7 +6436,7 @@
           <a:p>
             <a:r>
               <a:rPr lang="en-US" dirty="0"/>
-              <a:t>the implications of the poor performance</a:t>
+              <a:t>what are the challenges</a:t>
             </a:r>
           </a:p>
         </p:txBody>
@@ -6325,64 +6453,120 @@
         </p:nvSpPr>
         <p:spPr/>
         <p:txBody>
-          <a:bodyPr/>
-          <a:lstStyle/>
-          <a:p>
-            <a:r>
-              <a:rPr lang="en-US" dirty="0"/>
-              <a:t>poor overall application performance</a:t>
+          <a:bodyPr>
+            <a:normAutofit lnSpcReduction="10000"/>
+          </a:bodyPr>
+          <a:lstStyle/>
+          <a:p>
+            <a:r>
+              <a:rPr lang="en-US" dirty="0"/>
+              <a:t>how to decide which communication paradigm to use </a:t>
             </a:r>
           </a:p>
           <a:p>
             <a:pPr lvl="1"/>
             <a:r>
-              <a:rPr lang="en-US" dirty="0" err="1"/>
-              <a:t>bigdata</a:t>
-            </a:r>
-            <a:r>
-              <a:rPr lang="en-US" dirty="0"/>
-              <a:t> analytics</a:t>
+              <a:rPr lang="en-US" dirty="0"/>
+              <a:t>need container location formation</a:t>
             </a:r>
           </a:p>
           <a:p>
             <a:pPr lvl="1"/>
             <a:r>
-              <a:rPr lang="en-US" dirty="0"/>
-              <a:t>web services</a:t>
+              <a:rPr lang="en-US" b="1" dirty="0"/>
+              <a:t>solution</a:t>
+            </a:r>
+            <a:r>
+              <a:rPr lang="en-US" dirty="0"/>
+              <a:t>: get the information from cluster orchestrators.</a:t>
+            </a:r>
+          </a:p>
+          <a:p>
+            <a:r>
+              <a:rPr lang="en-US" dirty="0"/>
+              <a:t>how to make the decisions transparent to applications</a:t>
             </a:r>
           </a:p>
           <a:p>
             <a:pPr lvl="1"/>
             <a:r>
               <a:rPr lang="en-US" dirty="0"/>
-              <a:t>key-value stores</a:t>
+              <a:t>supporting Socket API (TCP/IP), Verbs API (RDMA), MPI, etc.</a:t>
             </a:r>
           </a:p>
           <a:p>
             <a:pPr lvl="1"/>
             <a:r>
-              <a:rPr lang="en-US" dirty="0"/>
-              <a:t>machine learnings</a:t>
+              <a:rPr lang="en-US" b="1" dirty="0"/>
+              <a:t>solution</a:t>
+            </a:r>
+            <a:r>
+              <a:rPr lang="en-US" dirty="0"/>
+              <a:t>: modifying network libraries</a:t>
+            </a:r>
+          </a:p>
+          <a:p>
+            <a:r>
+              <a:rPr lang="en-US" dirty="0">
+                <a:solidFill>
+                  <a:schemeClr val="bg1">
+                    <a:lumMod val="50000"/>
+                  </a:schemeClr>
+                </a:solidFill>
+              </a:rPr>
+              <a:t>other open questions</a:t>
             </a:r>
           </a:p>
           <a:p>
             <a:pPr lvl="1"/>
             <a:r>
-              <a:rPr lang="en-US" dirty="0"/>
-              <a:t>…</a:t>
-            </a:r>
-          </a:p>
-          <a:p>
-            <a:r>
-              <a:rPr lang="en-US" dirty="0"/>
-              <a:t>high cost to run applications</a:t>
+              <a:rPr lang="en-US" dirty="0">
+                <a:solidFill>
+                  <a:schemeClr val="bg1">
+                    <a:lumMod val="50000"/>
+                  </a:schemeClr>
+                </a:solidFill>
+              </a:rPr>
+              <a:t>security and middle-box</a:t>
             </a:r>
           </a:p>
           <a:p>
             <a:pPr lvl="1"/>
             <a:r>
-              <a:rPr lang="en-US" dirty="0"/>
-              <a:t>reserving a lot of CPUs for merely traffic processing</a:t>
+              <a:rPr lang="en-US" dirty="0">
+                <a:solidFill>
+                  <a:schemeClr val="bg1">
+                    <a:lumMod val="50000"/>
+                  </a:schemeClr>
+                </a:solidFill>
+              </a:rPr>
+              <a:t>containers running on VMs</a:t>
+            </a:r>
+          </a:p>
+          <a:p>
+            <a:pPr lvl="1"/>
+            <a:r>
+              <a:rPr lang="en-US" dirty="0">
+                <a:solidFill>
+                  <a:schemeClr val="bg1">
+                    <a:lumMod val="50000"/>
+                  </a:schemeClr>
+                </a:solidFill>
+              </a:rPr>
+              <a:t>scalability</a:t>
+            </a:r>
+          </a:p>
+          <a:p>
+            <a:pPr lvl="1"/>
+            <a:r>
+              <a:rPr lang="en-US" dirty="0">
+                <a:solidFill>
+                  <a:schemeClr val="bg1">
+                    <a:lumMod val="50000"/>
+                  </a:schemeClr>
+                </a:solidFill>
+              </a:rPr>
+              <a:t>container live migrations </a:t>
             </a:r>
           </a:p>
         </p:txBody>
@@ -6390,7 +6574,7 @@
     </p:spTree>
     <p:extLst>
       <p:ext uri="{BB962C8B-B14F-4D97-AF65-F5344CB8AC3E}">
-        <p14:creationId xmlns:p14="http://schemas.microsoft.com/office/powerpoint/2010/main" val="1473173404"/>
+        <p14:creationId xmlns:p14="http://schemas.microsoft.com/office/powerpoint/2010/main" val="4289098527"/>
       </p:ext>
     </p:extLst>
   </p:cSld>
@@ -6434,79 +6618,44 @@
           <a:p>
             <a:r>
               <a:rPr lang="en-US" dirty="0"/>
-              <a:t>can existing approaches solve containers’ problem?</a:t>
-            </a:r>
-          </a:p>
-        </p:txBody>
-      </p:sp>
-      <p:sp>
-        <p:nvSpPr>
-          <p:cNvPr id="3" name="Content Placeholder 2"/>
-          <p:cNvSpPr>
-            <a:spLocks noGrp="1"/>
-          </p:cNvSpPr>
-          <p:nvPr>
-            <p:ph idx="1"/>
-          </p:nvPr>
-        </p:nvSpPr>
-        <p:spPr/>
-        <p:txBody>
-          <a:bodyPr/>
-          <a:lstStyle/>
-          <a:p>
-            <a:r>
-              <a:rPr lang="en-US" dirty="0"/>
-              <a:t>single-root </a:t>
+              <a:t>the design of </a:t>
             </a:r>
             <a:r>
               <a:rPr lang="en-US" dirty="0" err="1"/>
-              <a:t>io</a:t>
-            </a:r>
-            <a:r>
-              <a:rPr lang="en-US" dirty="0"/>
-              <a:t> virtualization (SR-IOV)</a:t>
-            </a:r>
-          </a:p>
-          <a:p>
-            <a:pPr lvl="1"/>
-            <a:r>
-              <a:rPr lang="en-US" dirty="0"/>
-              <a:t>not scalable</a:t>
-            </a:r>
-          </a:p>
-          <a:p>
-            <a:pPr lvl="2"/>
-            <a:r>
-              <a:rPr lang="en-US" dirty="0"/>
-              <a:t>it can at most support tens of virtual NICs</a:t>
-            </a:r>
-          </a:p>
-          <a:p>
-            <a:pPr lvl="2"/>
-            <a:r>
-              <a:rPr lang="en-US" dirty="0"/>
-              <a:t>there can be hundreds of containers on a bare metal</a:t>
-            </a:r>
-          </a:p>
-          <a:p>
-            <a:r>
-              <a:rPr lang="en-US" dirty="0"/>
-              <a:t>hardware offload &amp; kernel bypassing (e.g. RDMA, DPDK, etc.)</a:t>
-            </a:r>
-          </a:p>
-          <a:p>
-            <a:pPr lvl="1"/>
-            <a:r>
-              <a:rPr lang="en-US" dirty="0"/>
-              <a:t>back to host mode: losing isolation and portability </a:t>
-            </a:r>
-          </a:p>
-        </p:txBody>
-      </p:sp>
+              <a:t>FreeFlow</a:t>
+            </a:r>
+            <a:endParaRPr lang="en-US" dirty="0"/>
+          </a:p>
+        </p:txBody>
+      </p:sp>
+      <p:pic>
+        <p:nvPicPr>
+          <p:cNvPr id="3" name="Picture 2"/>
+          <p:cNvPicPr>
+            <a:picLocks noChangeAspect="1"/>
+          </p:cNvPicPr>
+          <p:nvPr/>
+        </p:nvPicPr>
+        <p:blipFill>
+          <a:blip r:embed="rId2"/>
+          <a:stretch>
+            <a:fillRect/>
+          </a:stretch>
+        </p:blipFill>
+        <p:spPr>
+          <a:xfrm>
+            <a:off x="568768" y="2271264"/>
+            <a:ext cx="11393722" cy="4085993"/>
+          </a:xfrm>
+          <a:prstGeom prst="rect">
+            <a:avLst/>
+          </a:prstGeom>
+        </p:spPr>
+      </p:pic>
     </p:spTree>
     <p:extLst>
       <p:ext uri="{BB962C8B-B14F-4D97-AF65-F5344CB8AC3E}">
-        <p14:creationId xmlns:p14="http://schemas.microsoft.com/office/powerpoint/2010/main" val="3978165674"/>
+        <p14:creationId xmlns:p14="http://schemas.microsoft.com/office/powerpoint/2010/main" val="4241811075"/>
       </p:ext>
     </p:extLst>
   </p:cSld>

--- a/slides/freeflow_talk.pptx
+++ b/slides/freeflow_talk.pptx
@@ -3080,7 +3080,7 @@
       </p:sp>
       <p:pic>
         <p:nvPicPr>
-          <p:cNvPr id="3" name="Picture 2"/>
+          <p:cNvPr id="4" name="Picture 3"/>
           <p:cNvPicPr>
             <a:picLocks noChangeAspect="1"/>
           </p:cNvPicPr>
@@ -3094,8 +3094,8 @@
         </p:blipFill>
         <p:spPr>
           <a:xfrm>
-            <a:off x="568768" y="2271264"/>
-            <a:ext cx="11393722" cy="4085993"/>
+            <a:off x="642937" y="1822292"/>
+            <a:ext cx="10906125" cy="4581525"/>
           </a:xfrm>
           <a:prstGeom prst="rect">
             <a:avLst/>
